--- a/presentation/Neuronale Netze.pptx
+++ b/presentation/Neuronale Netze.pptx
@@ -6,10 +6,10 @@
     <p:sldMasterId id="2147483656" r:id="rId2"/>
   </p:sldMasterIdLst>
   <p:notesMasterIdLst>
-    <p:notesMasterId r:id="rId16"/>
+    <p:notesMasterId r:id="rId18"/>
   </p:notesMasterIdLst>
   <p:handoutMasterIdLst>
-    <p:handoutMasterId r:id="rId17"/>
+    <p:handoutMasterId r:id="rId19"/>
   </p:handoutMasterIdLst>
   <p:sldIdLst>
     <p:sldId id="256" r:id="rId3"/>
@@ -22,9 +22,11 @@
     <p:sldId id="270" r:id="rId10"/>
     <p:sldId id="271" r:id="rId11"/>
     <p:sldId id="275" r:id="rId12"/>
-    <p:sldId id="280" r:id="rId13"/>
-    <p:sldId id="285" r:id="rId14"/>
-    <p:sldId id="259" r:id="rId15"/>
+    <p:sldId id="288" r:id="rId13"/>
+    <p:sldId id="280" r:id="rId14"/>
+    <p:sldId id="287" r:id="rId15"/>
+    <p:sldId id="285" r:id="rId16"/>
+    <p:sldId id="259" r:id="rId17"/>
   </p:sldIdLst>
   <p:sldSz cx="12192000" cy="6858000"/>
   <p:notesSz cx="6858000" cy="9144000"/>
@@ -150,7 +152,9 @@
         <p14:section name="Beispiel" id="{45F56406-0460-4558-8086-6F38CD0F4207}">
           <p14:sldIdLst>
             <p14:sldId id="275"/>
+            <p14:sldId id="288"/>
             <p14:sldId id="280"/>
+            <p14:sldId id="287"/>
           </p14:sldIdLst>
         </p14:section>
         <p14:section name="Zusammenfassung" id="{3935168F-CA97-4DBE-AA4D-CD6487E81BA7}">
@@ -272,7 +276,7 @@
                   <a:schemeClr val="tx2"/>
                 </a:solidFill>
               </a:rPr>
-              <a:t>01.04.2020</a:t>
+              <a:t>18.06.2020</a:t>
             </a:fld>
             <a:endParaRPr lang="de-DE">
               <a:solidFill>
@@ -622,7 +626,7 @@
             <a:fld id="{B4113CCE-1A1A-46DB-884A-AE560F65C3AF}" type="datetimeFigureOut">
               <a:rPr lang="de-DE" smtClean="0"/>
               <a:pPr/>
-              <a:t>01.04.2020</a:t>
+              <a:t>18.06.2020</a:t>
             </a:fld>
             <a:endParaRPr lang="de-DE"/>
           </a:p>
@@ -1111,6 +1115,62 @@
           <a:p>
             <a:r>
               <a:rPr lang="de-DE" dirty="0"/>
+              <a:t>Menschliche Nervenzellen wurden bereits 1880 oder früher untersucht.</a:t>
+            </a:r>
+          </a:p>
+          <a:p>
+            <a:pPr marL="0" marR="0" lvl="0" indent="0" algn="l" defTabSz="914400" rtl="0" eaLnBrk="1" fontAlgn="auto" latinLnBrk="0" hangingPunct="1">
+              <a:lnSpc>
+                <a:spcPct val="100000"/>
+              </a:lnSpc>
+              <a:spcBef>
+                <a:spcPts val="0"/>
+              </a:spcBef>
+              <a:spcAft>
+                <a:spcPts val="0"/>
+              </a:spcAft>
+              <a:buClrTx/>
+              <a:buSzTx/>
+              <a:buFontTx/>
+              <a:buNone/>
+              <a:tabLst/>
+              <a:defRPr/>
+            </a:pPr>
+            <a:r>
+              <a:rPr lang="de-DE" dirty="0"/>
+              <a:t>Bereits seit 1943, nur 2 Jahre nach Erfindung des ersten Computers, wurde bereits daran geforscht, wie sich die Erkenntnisse über Nervenzellen auf Computer übertragen lassen.</a:t>
+            </a:r>
+          </a:p>
+          <a:p>
+            <a:endParaRPr lang="de-DE" dirty="0"/>
+          </a:p>
+          <a:p>
+            <a:r>
+              <a:rPr lang="de-DE" dirty="0"/>
+              <a:t>Grün: Zellkern</a:t>
+            </a:r>
+          </a:p>
+          <a:p>
+            <a:r>
+              <a:rPr lang="de-DE" dirty="0"/>
+              <a:t>Geld: Markscheide. Leitet Signale ca. 10x schneller weiter</a:t>
+            </a:r>
+          </a:p>
+          <a:p>
+            <a:endParaRPr lang="de-DE" dirty="0"/>
+          </a:p>
+          <a:p>
+            <a:r>
+              <a:rPr lang="de-DE" dirty="0"/>
+              <a:t>Im Bild eine multipolare Nervenzelle, d.h. eine Nervenzelle mit mehreren Eingängen.</a:t>
+            </a:r>
+          </a:p>
+          <a:p>
+            <a:endParaRPr lang="de-DE" dirty="0"/>
+          </a:p>
+          <a:p>
+            <a:r>
+              <a:rPr lang="de-DE" dirty="0"/>
               <a:t>Bildquelle:</a:t>
             </a:r>
           </a:p>
@@ -1319,7 +1379,28 @@
           <a:bodyPr/>
           <a:lstStyle/>
           <a:p>
-            <a:endParaRPr lang="de-DE" dirty="0"/>
+            <a:r>
+              <a:rPr lang="de-DE" dirty="0"/>
+              <a:t>%-Zeichen: Gewichtung der unterschiedlichen Eingänge.</a:t>
+            </a:r>
+          </a:p>
+          <a:p>
+            <a:r>
+              <a:rPr lang="de-DE" dirty="0"/>
+              <a:t>Summen-Zeichen: Aggregation der Eingangswerte</a:t>
+            </a:r>
+          </a:p>
+          <a:p>
+            <a:r>
+              <a:rPr lang="de-DE" dirty="0"/>
+              <a:t>Bias: eingebauter Offset / zusätzlicher Wert, mit dessen Hilfe die Funktion verschoben werden kann.</a:t>
+            </a:r>
+          </a:p>
+          <a:p>
+            <a:r>
+              <a:rPr lang="de-DE" dirty="0"/>
+              <a:t>Aktivierung: Aktivierungsfunktion, d.h. Entscheidung, wann bzw. wieviel des aufsummierten Signals an den Ausgang weitergegeben wird</a:t>
+            </a:r>
           </a:p>
         </p:txBody>
       </p:sp>
@@ -1411,6 +1492,65 @@
           <a:p>
             <a:r>
               <a:rPr lang="de-DE" dirty="0"/>
+              <a:t>Gelb: Eingänge</a:t>
+            </a:r>
+          </a:p>
+          <a:p>
+            <a:r>
+              <a:rPr lang="de-DE" dirty="0"/>
+              <a:t>Rot: Neuron mit Ausgang, an dem das Ergebnis abgeholt wird</a:t>
+            </a:r>
+          </a:p>
+          <a:p>
+            <a:r>
+              <a:rPr lang="de-DE" dirty="0"/>
+              <a:t>Grün: Neuron  mit Ausgang, dessen Ergebnis weiter verarbeitet wird.</a:t>
+            </a:r>
+          </a:p>
+          <a:p>
+            <a:endParaRPr lang="de-DE" dirty="0"/>
+          </a:p>
+          <a:p>
+            <a:r>
+              <a:rPr lang="de-DE" dirty="0"/>
+              <a:t>Das </a:t>
+            </a:r>
+            <a:r>
+              <a:rPr lang="de-DE" dirty="0" err="1"/>
+              <a:t>Perzeptron</a:t>
+            </a:r>
+            <a:r>
+              <a:rPr lang="de-DE" dirty="0"/>
+              <a:t> konnte die Funktion XOR nicht auflösen.</a:t>
+            </a:r>
+          </a:p>
+          <a:p>
+            <a:endParaRPr lang="de-DE" dirty="0"/>
+          </a:p>
+          <a:p>
+            <a:r>
+              <a:rPr lang="de-DE" dirty="0"/>
+              <a:t>Feed Forward: hat nur 1 grüne Schicht</a:t>
+            </a:r>
+          </a:p>
+          <a:p>
+            <a:endParaRPr lang="de-DE" dirty="0"/>
+          </a:p>
+          <a:p>
+            <a:r>
+              <a:rPr lang="de-DE" dirty="0"/>
+              <a:t>Deep Netzwerk: von den grünen Schichten kann es noch mehr geben.</a:t>
+            </a:r>
+          </a:p>
+          <a:p>
+            <a:endParaRPr lang="de-DE" dirty="0"/>
+          </a:p>
+          <a:p>
+            <a:endParaRPr lang="de-DE" dirty="0"/>
+          </a:p>
+          <a:p>
+            <a:r>
+              <a:rPr lang="de-DE" dirty="0"/>
               <a:t>Quelle:</a:t>
             </a:r>
           </a:p>
@@ -1514,7 +1654,7 @@
             </a:r>
             <a:r>
               <a:rPr lang="de-DE" dirty="0"/>
-              <a:t> = wiederkehrend, hier: gleichbedeutend der Einführung einer Zeit-Achse im Netz</a:t>
+              <a:t> = wiederkehrend, hier: gleichbedeutend der Einführung einer Zeit-Achse im Netz (Echo)</a:t>
             </a:r>
           </a:p>
           <a:p>
@@ -1537,7 +1677,7 @@
             </a:pPr>
             <a:r>
               <a:rPr lang="de-DE" dirty="0"/>
-              <a:t>Residual = als Reserve zurückhalten / als Rest zurückbleibend</a:t>
+              <a:t>Residual = als Reserve zurückhalten / als Rest zurückbleibend (Originaldaten bleiben länger erhalten)</a:t>
             </a:r>
           </a:p>
           <a:p>
@@ -1945,7 +2085,7 @@
             <a:fld id="{927DBD90-B360-417B-B4B3-F05A4AFC1996}" type="slidenum">
               <a:rPr lang="de-DE" smtClean="0"/>
               <a:pPr/>
-              <a:t>11</a:t>
+              <a:t>12</a:t>
             </a:fld>
             <a:endParaRPr lang="de-DE"/>
           </a:p>
@@ -2034,7 +2174,7 @@
           <a:p>
             <a:fld id="{927DBD90-B360-417B-B4B3-F05A4AFC1996}" type="slidenum">
               <a:rPr lang="de-DE" smtClean="0"/>
-              <a:t>13</a:t>
+              <a:t>15</a:t>
             </a:fld>
             <a:endParaRPr lang="de-DE"/>
           </a:p>
@@ -5825,6 +5965,218 @@
           <a:chExt cx="0" cy="0"/>
         </a:xfrm>
       </p:grpSpPr>
+      <p:sp>
+        <p:nvSpPr>
+          <p:cNvPr id="7" name="Titel 6">
+            <a:extLst>
+              <a:ext uri="{FF2B5EF4-FFF2-40B4-BE49-F238E27FC236}">
+                <a16:creationId xmlns:a16="http://schemas.microsoft.com/office/drawing/2014/main" id="{1CFB015B-E676-4C58-ABA4-217F7D353194}"/>
+              </a:ext>
+            </a:extLst>
+          </p:cNvPr>
+          <p:cNvSpPr>
+            <a:spLocks noGrp="1"/>
+          </p:cNvSpPr>
+          <p:nvPr>
+            <p:ph type="title"/>
+          </p:nvPr>
+        </p:nvSpPr>
+        <p:spPr/>
+        <p:txBody>
+          <a:bodyPr/>
+          <a:lstStyle/>
+          <a:p>
+            <a:r>
+              <a:rPr lang="de-DE" dirty="0"/>
+              <a:t>Beispiel</a:t>
+            </a:r>
+          </a:p>
+        </p:txBody>
+      </p:sp>
+      <p:sp>
+        <p:nvSpPr>
+          <p:cNvPr id="8" name="Inhaltsplatzhalter 7">
+            <a:extLst>
+              <a:ext uri="{FF2B5EF4-FFF2-40B4-BE49-F238E27FC236}">
+                <a16:creationId xmlns:a16="http://schemas.microsoft.com/office/drawing/2014/main" id="{BC1D20FE-943E-497E-A3CA-7B01A082BB92}"/>
+              </a:ext>
+            </a:extLst>
+          </p:cNvPr>
+          <p:cNvSpPr>
+            <a:spLocks noGrp="1"/>
+          </p:cNvSpPr>
+          <p:nvPr>
+            <p:ph idx="1"/>
+          </p:nvPr>
+        </p:nvSpPr>
+        <p:spPr/>
+        <p:txBody>
+          <a:bodyPr/>
+          <a:lstStyle/>
+          <a:p>
+            <a:pPr marL="0" indent="0">
+              <a:buNone/>
+            </a:pPr>
+            <a:endParaRPr lang="de-DE" dirty="0">
+              <a:hlinkClick r:id="rId2"/>
+            </a:endParaRPr>
+          </a:p>
+          <a:p>
+            <a:pPr marL="0" indent="0">
+              <a:buNone/>
+            </a:pPr>
+            <a:endParaRPr lang="de-DE" dirty="0">
+              <a:hlinkClick r:id="rId2"/>
+            </a:endParaRPr>
+          </a:p>
+          <a:p>
+            <a:pPr marL="0" indent="0">
+              <a:buNone/>
+            </a:pPr>
+            <a:endParaRPr lang="de-DE" dirty="0">
+              <a:hlinkClick r:id="rId2"/>
+            </a:endParaRPr>
+          </a:p>
+          <a:p>
+            <a:pPr marL="0" indent="0">
+              <a:buNone/>
+            </a:pPr>
+            <a:endParaRPr lang="de-DE" dirty="0">
+              <a:hlinkClick r:id="rId2"/>
+            </a:endParaRPr>
+          </a:p>
+          <a:p>
+            <a:pPr marL="0" indent="0">
+              <a:buNone/>
+            </a:pPr>
+            <a:r>
+              <a:rPr lang="de-DE" dirty="0">
+                <a:hlinkClick r:id="rId2"/>
+              </a:rPr>
+              <a:t>https://playground.tensorflow.org</a:t>
+            </a:r>
+            <a:r>
+              <a:rPr lang="de-DE" dirty="0"/>
+              <a:t> </a:t>
+            </a:r>
+          </a:p>
+        </p:txBody>
+      </p:sp>
+      <p:sp>
+        <p:nvSpPr>
+          <p:cNvPr id="4" name="Datumsplatzhalter 3">
+            <a:extLst>
+              <a:ext uri="{FF2B5EF4-FFF2-40B4-BE49-F238E27FC236}">
+                <a16:creationId xmlns:a16="http://schemas.microsoft.com/office/drawing/2014/main" id="{88E2BF74-24D6-4A97-9A4F-1D8A5FCDC71D}"/>
+              </a:ext>
+            </a:extLst>
+          </p:cNvPr>
+          <p:cNvSpPr>
+            <a:spLocks noGrp="1"/>
+          </p:cNvSpPr>
+          <p:nvPr>
+            <p:ph type="dt" sz="half" idx="10"/>
+          </p:nvPr>
+        </p:nvSpPr>
+        <p:spPr/>
+        <p:txBody>
+          <a:bodyPr/>
+          <a:lstStyle/>
+          <a:p>
+            <a:r>
+              <a:rPr lang="de-DE"/>
+              <a:t>09.12.2019</a:t>
+            </a:r>
+          </a:p>
+        </p:txBody>
+      </p:sp>
+      <p:sp>
+        <p:nvSpPr>
+          <p:cNvPr id="5" name="Fußzeilenplatzhalter 4">
+            <a:extLst>
+              <a:ext uri="{FF2B5EF4-FFF2-40B4-BE49-F238E27FC236}">
+                <a16:creationId xmlns:a16="http://schemas.microsoft.com/office/drawing/2014/main" id="{BEE275F3-3A23-4C0E-9041-44690631FF1C}"/>
+              </a:ext>
+            </a:extLst>
+          </p:cNvPr>
+          <p:cNvSpPr>
+            <a:spLocks noGrp="1"/>
+          </p:cNvSpPr>
+          <p:nvPr>
+            <p:ph type="ftr" sz="quarter" idx="11"/>
+          </p:nvPr>
+        </p:nvSpPr>
+        <p:spPr/>
+        <p:txBody>
+          <a:bodyPr/>
+          <a:lstStyle/>
+          <a:p>
+            <a:r>
+              <a:rPr lang="de-DE"/>
+              <a:t>Künstliche Intelligenz - Überblick</a:t>
+            </a:r>
+          </a:p>
+        </p:txBody>
+      </p:sp>
+      <p:sp>
+        <p:nvSpPr>
+          <p:cNvPr id="6" name="Foliennummernplatzhalter 5">
+            <a:extLst>
+              <a:ext uri="{FF2B5EF4-FFF2-40B4-BE49-F238E27FC236}">
+                <a16:creationId xmlns:a16="http://schemas.microsoft.com/office/drawing/2014/main" id="{405C3E3E-A0DD-42FF-AA1D-2FD83F31B02B}"/>
+              </a:ext>
+            </a:extLst>
+          </p:cNvPr>
+          <p:cNvSpPr>
+            <a:spLocks noGrp="1"/>
+          </p:cNvSpPr>
+          <p:nvPr>
+            <p:ph type="sldNum" sz="quarter" idx="12"/>
+          </p:nvPr>
+        </p:nvSpPr>
+        <p:spPr/>
+        <p:txBody>
+          <a:bodyPr/>
+          <a:lstStyle/>
+          <a:p>
+            <a:fld id="{3A1F27E2-D58A-4028-9FF2-B12D897F257E}" type="slidenum">
+              <a:rPr lang="de-DE" smtClean="0"/>
+              <a:t>11</a:t>
+            </a:fld>
+            <a:endParaRPr lang="de-DE"/>
+          </a:p>
+        </p:txBody>
+      </p:sp>
+    </p:spTree>
+    <p:extLst>
+      <p:ext uri="{BB962C8B-B14F-4D97-AF65-F5344CB8AC3E}">
+        <p14:creationId xmlns:p14="http://schemas.microsoft.com/office/powerpoint/2010/main" val="3562349203"/>
+      </p:ext>
+    </p:extLst>
+  </p:cSld>
+  <p:clrMapOvr>
+    <a:masterClrMapping/>
+  </p:clrMapOvr>
+</p:sld>
+</file>
+
+<file path=ppt/slides/slide12.xml><?xml version="1.0" encoding="utf-8"?>
+<p:sld xmlns:a="http://schemas.openxmlformats.org/drawingml/2006/main" xmlns:r="http://schemas.openxmlformats.org/officeDocument/2006/relationships" xmlns:p="http://schemas.openxmlformats.org/presentationml/2006/main">
+  <p:cSld>
+    <p:spTree>
+      <p:nvGrpSpPr>
+        <p:cNvPr id="1" name=""/>
+        <p:cNvGrpSpPr/>
+        <p:nvPr/>
+      </p:nvGrpSpPr>
+      <p:grpSpPr>
+        <a:xfrm>
+          <a:off x="0" y="0"/>
+          <a:ext cx="0" cy="0"/>
+          <a:chOff x="0" y="0"/>
+          <a:chExt cx="0" cy="0"/>
+        </a:xfrm>
+      </p:grpSpPr>
       <p:pic>
         <p:nvPicPr>
           <p:cNvPr id="23" name="Grafik 22">
@@ -5973,7 +6325,7 @@
           <a:p>
             <a:fld id="{3A1F27E2-D58A-4028-9FF2-B12D897F257E}" type="slidenum">
               <a:rPr lang="de-DE" smtClean="0"/>
-              <a:t>11</a:t>
+              <a:t>12</a:t>
             </a:fld>
             <a:endParaRPr lang="de-DE"/>
           </a:p>
@@ -6409,171 +6761,6 @@
 </p:sld>
 </file>
 
-<file path=ppt/slides/slide12.xml><?xml version="1.0" encoding="utf-8"?>
-<p:sld xmlns:a="http://schemas.openxmlformats.org/drawingml/2006/main" xmlns:r="http://schemas.openxmlformats.org/officeDocument/2006/relationships" xmlns:p="http://schemas.openxmlformats.org/presentationml/2006/main">
-  <p:cSld>
-    <p:spTree>
-      <p:nvGrpSpPr>
-        <p:cNvPr id="1" name=""/>
-        <p:cNvGrpSpPr/>
-        <p:nvPr/>
-      </p:nvGrpSpPr>
-      <p:grpSpPr>
-        <a:xfrm>
-          <a:off x="0" y="0"/>
-          <a:ext cx="0" cy="0"/>
-          <a:chOff x="0" y="0"/>
-          <a:chExt cx="0" cy="0"/>
-        </a:xfrm>
-      </p:grpSpPr>
-      <p:sp>
-        <p:nvSpPr>
-          <p:cNvPr id="7" name="Titel 6">
-            <a:extLst>
-              <a:ext uri="{FF2B5EF4-FFF2-40B4-BE49-F238E27FC236}">
-                <a16:creationId xmlns:a16="http://schemas.microsoft.com/office/drawing/2014/main" id="{A54D3D47-5987-4861-91EC-F12CA4401386}"/>
-              </a:ext>
-            </a:extLst>
-          </p:cNvPr>
-          <p:cNvSpPr>
-            <a:spLocks noGrp="1"/>
-          </p:cNvSpPr>
-          <p:nvPr>
-            <p:ph type="title"/>
-          </p:nvPr>
-        </p:nvSpPr>
-        <p:spPr/>
-        <p:txBody>
-          <a:bodyPr/>
-          <a:lstStyle/>
-          <a:p>
-            <a:endParaRPr lang="de-DE"/>
-          </a:p>
-        </p:txBody>
-      </p:sp>
-      <p:sp>
-        <p:nvSpPr>
-          <p:cNvPr id="8" name="Inhaltsplatzhalter 7">
-            <a:extLst>
-              <a:ext uri="{FF2B5EF4-FFF2-40B4-BE49-F238E27FC236}">
-                <a16:creationId xmlns:a16="http://schemas.microsoft.com/office/drawing/2014/main" id="{9E1F29B1-5358-450F-9518-2BB6FB089837}"/>
-              </a:ext>
-            </a:extLst>
-          </p:cNvPr>
-          <p:cNvSpPr>
-            <a:spLocks noGrp="1"/>
-          </p:cNvSpPr>
-          <p:nvPr>
-            <p:ph idx="1"/>
-          </p:nvPr>
-        </p:nvSpPr>
-        <p:spPr/>
-        <p:txBody>
-          <a:bodyPr/>
-          <a:lstStyle/>
-          <a:p>
-            <a:endParaRPr lang="de-DE"/>
-          </a:p>
-        </p:txBody>
-      </p:sp>
-      <p:sp>
-        <p:nvSpPr>
-          <p:cNvPr id="4" name="Datumsplatzhalter 3">
-            <a:extLst>
-              <a:ext uri="{FF2B5EF4-FFF2-40B4-BE49-F238E27FC236}">
-                <a16:creationId xmlns:a16="http://schemas.microsoft.com/office/drawing/2014/main" id="{F04BBB3D-1AF0-448E-84E3-3D6E74FB5053}"/>
-              </a:ext>
-            </a:extLst>
-          </p:cNvPr>
-          <p:cNvSpPr>
-            <a:spLocks noGrp="1"/>
-          </p:cNvSpPr>
-          <p:nvPr>
-            <p:ph type="dt" sz="half" idx="10"/>
-          </p:nvPr>
-        </p:nvSpPr>
-        <p:spPr/>
-        <p:txBody>
-          <a:bodyPr/>
-          <a:lstStyle/>
-          <a:p>
-            <a:r>
-              <a:rPr lang="de-DE"/>
-              <a:t>09.12.2019</a:t>
-            </a:r>
-          </a:p>
-        </p:txBody>
-      </p:sp>
-      <p:sp>
-        <p:nvSpPr>
-          <p:cNvPr id="5" name="Fußzeilenplatzhalter 4">
-            <a:extLst>
-              <a:ext uri="{FF2B5EF4-FFF2-40B4-BE49-F238E27FC236}">
-                <a16:creationId xmlns:a16="http://schemas.microsoft.com/office/drawing/2014/main" id="{1180704F-1128-4670-AD1E-0E8979949766}"/>
-              </a:ext>
-            </a:extLst>
-          </p:cNvPr>
-          <p:cNvSpPr>
-            <a:spLocks noGrp="1"/>
-          </p:cNvSpPr>
-          <p:nvPr>
-            <p:ph type="ftr" sz="quarter" idx="11"/>
-          </p:nvPr>
-        </p:nvSpPr>
-        <p:spPr/>
-        <p:txBody>
-          <a:bodyPr/>
-          <a:lstStyle/>
-          <a:p>
-            <a:r>
-              <a:rPr lang="de-DE"/>
-              <a:t>Künstliche Intelligenz - Überblick</a:t>
-            </a:r>
-          </a:p>
-        </p:txBody>
-      </p:sp>
-      <p:sp>
-        <p:nvSpPr>
-          <p:cNvPr id="6" name="Foliennummernplatzhalter 5">
-            <a:extLst>
-              <a:ext uri="{FF2B5EF4-FFF2-40B4-BE49-F238E27FC236}">
-                <a16:creationId xmlns:a16="http://schemas.microsoft.com/office/drawing/2014/main" id="{56F7D89D-58EA-4987-92EE-C6C435D7D782}"/>
-              </a:ext>
-            </a:extLst>
-          </p:cNvPr>
-          <p:cNvSpPr>
-            <a:spLocks noGrp="1"/>
-          </p:cNvSpPr>
-          <p:nvPr>
-            <p:ph type="sldNum" sz="quarter" idx="12"/>
-          </p:nvPr>
-        </p:nvSpPr>
-        <p:spPr/>
-        <p:txBody>
-          <a:bodyPr/>
-          <a:lstStyle/>
-          <a:p>
-            <a:fld id="{3A1F27E2-D58A-4028-9FF2-B12D897F257E}" type="slidenum">
-              <a:rPr lang="de-DE" smtClean="0"/>
-              <a:t>12</a:t>
-            </a:fld>
-            <a:endParaRPr lang="de-DE"/>
-          </a:p>
-        </p:txBody>
-      </p:sp>
-    </p:spTree>
-    <p:extLst>
-      <p:ext uri="{BB962C8B-B14F-4D97-AF65-F5344CB8AC3E}">
-        <p14:creationId xmlns:p14="http://schemas.microsoft.com/office/powerpoint/2010/main" val="208200181"/>
-      </p:ext>
-    </p:extLst>
-  </p:cSld>
-  <p:clrMapOvr>
-    <a:masterClrMapping/>
-  </p:clrMapOvr>
-</p:sld>
-</file>
-
 <file path=ppt/slides/slide13.xml><?xml version="1.0" encoding="utf-8"?>
 <p:sld xmlns:a="http://schemas.openxmlformats.org/drawingml/2006/main" xmlns:r="http://schemas.openxmlformats.org/officeDocument/2006/relationships" xmlns:p="http://schemas.openxmlformats.org/presentationml/2006/main">
   <p:cSld>
@@ -6593,7 +6780,13 @@
       </p:grpSpPr>
       <p:sp>
         <p:nvSpPr>
-          <p:cNvPr id="4" name="Titel 3"/>
+          <p:cNvPr id="2" name="Titel 1">
+            <a:extLst>
+              <a:ext uri="{FF2B5EF4-FFF2-40B4-BE49-F238E27FC236}">
+                <a16:creationId xmlns:a16="http://schemas.microsoft.com/office/drawing/2014/main" id="{B32F3BAE-E070-4800-89F5-C0951952BDCD}"/>
+              </a:ext>
+            </a:extLst>
+          </p:cNvPr>
           <p:cNvSpPr>
             <a:spLocks noGrp="1"/>
           </p:cNvSpPr>
@@ -6608,14 +6801,20 @@
           <a:p>
             <a:r>
               <a:rPr lang="de-DE" dirty="0"/>
-              <a:t>Fragen</a:t>
-            </a:r>
-          </a:p>
-        </p:txBody>
-      </p:sp>
-      <p:sp>
-        <p:nvSpPr>
-          <p:cNvPr id="2" name="Datumsplatzhalter 1"/>
+              <a:t>Beispiel</a:t>
+            </a:r>
+          </a:p>
+        </p:txBody>
+      </p:sp>
+      <p:sp>
+        <p:nvSpPr>
+          <p:cNvPr id="4" name="Datumsplatzhalter 3">
+            <a:extLst>
+              <a:ext uri="{FF2B5EF4-FFF2-40B4-BE49-F238E27FC236}">
+                <a16:creationId xmlns:a16="http://schemas.microsoft.com/office/drawing/2014/main" id="{E79A01C3-F96F-4326-9D3E-2BF98DDF3768}"/>
+              </a:ext>
+            </a:extLst>
+          </p:cNvPr>
           <p:cNvSpPr>
             <a:spLocks noGrp="1"/>
           </p:cNvSpPr>
@@ -6637,7 +6836,13 @@
       </p:sp>
       <p:sp>
         <p:nvSpPr>
-          <p:cNvPr id="3" name="Fußzeilenplatzhalter 2"/>
+          <p:cNvPr id="5" name="Fußzeilenplatzhalter 4">
+            <a:extLst>
+              <a:ext uri="{FF2B5EF4-FFF2-40B4-BE49-F238E27FC236}">
+                <a16:creationId xmlns:a16="http://schemas.microsoft.com/office/drawing/2014/main" id="{1E56D619-BB0B-4D9F-9905-EC262BE96880}"/>
+              </a:ext>
+            </a:extLst>
+          </p:cNvPr>
           <p:cNvSpPr>
             <a:spLocks noGrp="1"/>
           </p:cNvSpPr>
@@ -6659,7 +6864,13 @@
       </p:sp>
       <p:sp>
         <p:nvSpPr>
-          <p:cNvPr id="6" name="Foliennummernplatzhalter 5"/>
+          <p:cNvPr id="6" name="Foliennummernplatzhalter 5">
+            <a:extLst>
+              <a:ext uri="{FF2B5EF4-FFF2-40B4-BE49-F238E27FC236}">
+                <a16:creationId xmlns:a16="http://schemas.microsoft.com/office/drawing/2014/main" id="{2E9CC495-2D87-4373-BE86-A6918E60B409}"/>
+              </a:ext>
+            </a:extLst>
+          </p:cNvPr>
           <p:cNvSpPr>
             <a:spLocks noGrp="1"/>
           </p:cNvSpPr>
@@ -6675,6 +6886,363 @@
             <a:fld id="{3A1F27E2-D58A-4028-9FF2-B12D897F257E}" type="slidenum">
               <a:rPr lang="de-DE" smtClean="0"/>
               <a:t>13</a:t>
+            </a:fld>
+            <a:endParaRPr lang="de-DE"/>
+          </a:p>
+        </p:txBody>
+      </p:sp>
+      <p:pic>
+        <p:nvPicPr>
+          <p:cNvPr id="7" name="Grafik 6">
+            <a:extLst>
+              <a:ext uri="{FF2B5EF4-FFF2-40B4-BE49-F238E27FC236}">
+                <a16:creationId xmlns:a16="http://schemas.microsoft.com/office/drawing/2014/main" id="{A3BE2148-0112-4528-843E-41027998C3AB}"/>
+              </a:ext>
+            </a:extLst>
+          </p:cNvPr>
+          <p:cNvPicPr>
+            <a:picLocks noChangeAspect="1"/>
+          </p:cNvPicPr>
+          <p:nvPr/>
+        </p:nvPicPr>
+        <p:blipFill>
+          <a:blip r:embed="rId2"/>
+          <a:stretch>
+            <a:fillRect/>
+          </a:stretch>
+        </p:blipFill>
+        <p:spPr>
+          <a:xfrm>
+            <a:off x="838200" y="1971184"/>
+            <a:ext cx="8048730" cy="3896526"/>
+          </a:xfrm>
+          <a:prstGeom prst="rect">
+            <a:avLst/>
+          </a:prstGeom>
+        </p:spPr>
+      </p:pic>
+    </p:spTree>
+    <p:extLst>
+      <p:ext uri="{BB962C8B-B14F-4D97-AF65-F5344CB8AC3E}">
+        <p14:creationId xmlns:p14="http://schemas.microsoft.com/office/powerpoint/2010/main" val="1146294088"/>
+      </p:ext>
+    </p:extLst>
+  </p:cSld>
+  <p:clrMapOvr>
+    <a:masterClrMapping/>
+  </p:clrMapOvr>
+</p:sld>
+</file>
+
+<file path=ppt/slides/slide14.xml><?xml version="1.0" encoding="utf-8"?>
+<p:sld xmlns:a="http://schemas.openxmlformats.org/drawingml/2006/main" xmlns:r="http://schemas.openxmlformats.org/officeDocument/2006/relationships" xmlns:p="http://schemas.openxmlformats.org/presentationml/2006/main">
+  <p:cSld>
+    <p:spTree>
+      <p:nvGrpSpPr>
+        <p:cNvPr id="1" name=""/>
+        <p:cNvGrpSpPr/>
+        <p:nvPr/>
+      </p:nvGrpSpPr>
+      <p:grpSpPr>
+        <a:xfrm>
+          <a:off x="0" y="0"/>
+          <a:ext cx="0" cy="0"/>
+          <a:chOff x="0" y="0"/>
+          <a:chExt cx="0" cy="0"/>
+        </a:xfrm>
+      </p:grpSpPr>
+      <p:sp>
+        <p:nvSpPr>
+          <p:cNvPr id="7" name="Titel 6">
+            <a:extLst>
+              <a:ext uri="{FF2B5EF4-FFF2-40B4-BE49-F238E27FC236}">
+                <a16:creationId xmlns:a16="http://schemas.microsoft.com/office/drawing/2014/main" id="{A54D3D47-5987-4861-91EC-F12CA4401386}"/>
+              </a:ext>
+            </a:extLst>
+          </p:cNvPr>
+          <p:cNvSpPr>
+            <a:spLocks noGrp="1"/>
+          </p:cNvSpPr>
+          <p:nvPr>
+            <p:ph type="title"/>
+          </p:nvPr>
+        </p:nvSpPr>
+        <p:spPr/>
+        <p:txBody>
+          <a:bodyPr/>
+          <a:lstStyle/>
+          <a:p>
+            <a:endParaRPr lang="de-DE"/>
+          </a:p>
+        </p:txBody>
+      </p:sp>
+      <p:sp>
+        <p:nvSpPr>
+          <p:cNvPr id="8" name="Inhaltsplatzhalter 7">
+            <a:extLst>
+              <a:ext uri="{FF2B5EF4-FFF2-40B4-BE49-F238E27FC236}">
+                <a16:creationId xmlns:a16="http://schemas.microsoft.com/office/drawing/2014/main" id="{9E1F29B1-5358-450F-9518-2BB6FB089837}"/>
+              </a:ext>
+            </a:extLst>
+          </p:cNvPr>
+          <p:cNvSpPr>
+            <a:spLocks noGrp="1"/>
+          </p:cNvSpPr>
+          <p:nvPr>
+            <p:ph idx="1"/>
+          </p:nvPr>
+        </p:nvSpPr>
+        <p:spPr/>
+        <p:txBody>
+          <a:bodyPr/>
+          <a:lstStyle/>
+          <a:p>
+            <a:r>
+              <a:rPr lang="de-DE" dirty="0"/>
+              <a:t>Neuron = mathematisches Modell mit einfachen Formeln</a:t>
+            </a:r>
+          </a:p>
+          <a:p>
+            <a:r>
+              <a:rPr lang="de-DE" dirty="0"/>
+              <a:t>Es gibt viele Netzarten</a:t>
+            </a:r>
+          </a:p>
+          <a:p>
+            <a:pPr lvl="1"/>
+            <a:r>
+              <a:rPr lang="de-DE" dirty="0"/>
+              <a:t>Zur Klassifizierung</a:t>
+            </a:r>
+          </a:p>
+          <a:p>
+            <a:pPr lvl="1"/>
+            <a:r>
+              <a:rPr lang="de-DE" dirty="0"/>
+              <a:t>Zur Bildverarbeitung</a:t>
+            </a:r>
+          </a:p>
+          <a:p>
+            <a:pPr lvl="1"/>
+            <a:r>
+              <a:rPr lang="de-DE" dirty="0"/>
+              <a:t>Zur Erzeugung von Inhalten</a:t>
+            </a:r>
+          </a:p>
+          <a:p>
+            <a:r>
+              <a:rPr lang="de-DE" dirty="0"/>
+              <a:t>Das Beispiel ist hübsch visualisiert</a:t>
+            </a:r>
+          </a:p>
+          <a:p>
+            <a:pPr lvl="1"/>
+            <a:r>
+              <a:rPr lang="de-DE" dirty="0"/>
+              <a:t>nicht immer ist KI so verständlich</a:t>
+            </a:r>
+          </a:p>
+        </p:txBody>
+      </p:sp>
+      <p:sp>
+        <p:nvSpPr>
+          <p:cNvPr id="4" name="Datumsplatzhalter 3">
+            <a:extLst>
+              <a:ext uri="{FF2B5EF4-FFF2-40B4-BE49-F238E27FC236}">
+                <a16:creationId xmlns:a16="http://schemas.microsoft.com/office/drawing/2014/main" id="{F04BBB3D-1AF0-448E-84E3-3D6E74FB5053}"/>
+              </a:ext>
+            </a:extLst>
+          </p:cNvPr>
+          <p:cNvSpPr>
+            <a:spLocks noGrp="1"/>
+          </p:cNvSpPr>
+          <p:nvPr>
+            <p:ph type="dt" sz="half" idx="10"/>
+          </p:nvPr>
+        </p:nvSpPr>
+        <p:spPr/>
+        <p:txBody>
+          <a:bodyPr/>
+          <a:lstStyle/>
+          <a:p>
+            <a:r>
+              <a:rPr lang="de-DE"/>
+              <a:t>09.12.2019</a:t>
+            </a:r>
+          </a:p>
+        </p:txBody>
+      </p:sp>
+      <p:sp>
+        <p:nvSpPr>
+          <p:cNvPr id="5" name="Fußzeilenplatzhalter 4">
+            <a:extLst>
+              <a:ext uri="{FF2B5EF4-FFF2-40B4-BE49-F238E27FC236}">
+                <a16:creationId xmlns:a16="http://schemas.microsoft.com/office/drawing/2014/main" id="{1180704F-1128-4670-AD1E-0E8979949766}"/>
+              </a:ext>
+            </a:extLst>
+          </p:cNvPr>
+          <p:cNvSpPr>
+            <a:spLocks noGrp="1"/>
+          </p:cNvSpPr>
+          <p:nvPr>
+            <p:ph type="ftr" sz="quarter" idx="11"/>
+          </p:nvPr>
+        </p:nvSpPr>
+        <p:spPr/>
+        <p:txBody>
+          <a:bodyPr/>
+          <a:lstStyle/>
+          <a:p>
+            <a:r>
+              <a:rPr lang="de-DE"/>
+              <a:t>Künstliche Intelligenz - Überblick</a:t>
+            </a:r>
+          </a:p>
+        </p:txBody>
+      </p:sp>
+      <p:sp>
+        <p:nvSpPr>
+          <p:cNvPr id="6" name="Foliennummernplatzhalter 5">
+            <a:extLst>
+              <a:ext uri="{FF2B5EF4-FFF2-40B4-BE49-F238E27FC236}">
+                <a16:creationId xmlns:a16="http://schemas.microsoft.com/office/drawing/2014/main" id="{56F7D89D-58EA-4987-92EE-C6C435D7D782}"/>
+              </a:ext>
+            </a:extLst>
+          </p:cNvPr>
+          <p:cNvSpPr>
+            <a:spLocks noGrp="1"/>
+          </p:cNvSpPr>
+          <p:nvPr>
+            <p:ph type="sldNum" sz="quarter" idx="12"/>
+          </p:nvPr>
+        </p:nvSpPr>
+        <p:spPr/>
+        <p:txBody>
+          <a:bodyPr/>
+          <a:lstStyle/>
+          <a:p>
+            <a:fld id="{3A1F27E2-D58A-4028-9FF2-B12D897F257E}" type="slidenum">
+              <a:rPr lang="de-DE" smtClean="0"/>
+              <a:t>14</a:t>
+            </a:fld>
+            <a:endParaRPr lang="de-DE"/>
+          </a:p>
+        </p:txBody>
+      </p:sp>
+    </p:spTree>
+    <p:extLst>
+      <p:ext uri="{BB962C8B-B14F-4D97-AF65-F5344CB8AC3E}">
+        <p14:creationId xmlns:p14="http://schemas.microsoft.com/office/powerpoint/2010/main" val="208200181"/>
+      </p:ext>
+    </p:extLst>
+  </p:cSld>
+  <p:clrMapOvr>
+    <a:masterClrMapping/>
+  </p:clrMapOvr>
+</p:sld>
+</file>
+
+<file path=ppt/slides/slide15.xml><?xml version="1.0" encoding="utf-8"?>
+<p:sld xmlns:a="http://schemas.openxmlformats.org/drawingml/2006/main" xmlns:r="http://schemas.openxmlformats.org/officeDocument/2006/relationships" xmlns:p="http://schemas.openxmlformats.org/presentationml/2006/main">
+  <p:cSld>
+    <p:spTree>
+      <p:nvGrpSpPr>
+        <p:cNvPr id="1" name=""/>
+        <p:cNvGrpSpPr/>
+        <p:nvPr/>
+      </p:nvGrpSpPr>
+      <p:grpSpPr>
+        <a:xfrm>
+          <a:off x="0" y="0"/>
+          <a:ext cx="0" cy="0"/>
+          <a:chOff x="0" y="0"/>
+          <a:chExt cx="0" cy="0"/>
+        </a:xfrm>
+      </p:grpSpPr>
+      <p:sp>
+        <p:nvSpPr>
+          <p:cNvPr id="4" name="Titel 3"/>
+          <p:cNvSpPr>
+            <a:spLocks noGrp="1"/>
+          </p:cNvSpPr>
+          <p:nvPr>
+            <p:ph type="title"/>
+          </p:nvPr>
+        </p:nvSpPr>
+        <p:spPr/>
+        <p:txBody>
+          <a:bodyPr/>
+          <a:lstStyle/>
+          <a:p>
+            <a:r>
+              <a:rPr lang="de-DE" dirty="0"/>
+              <a:t>Fragen</a:t>
+            </a:r>
+          </a:p>
+        </p:txBody>
+      </p:sp>
+      <p:sp>
+        <p:nvSpPr>
+          <p:cNvPr id="2" name="Datumsplatzhalter 1"/>
+          <p:cNvSpPr>
+            <a:spLocks noGrp="1"/>
+          </p:cNvSpPr>
+          <p:nvPr>
+            <p:ph type="dt" sz="half" idx="10"/>
+          </p:nvPr>
+        </p:nvSpPr>
+        <p:spPr/>
+        <p:txBody>
+          <a:bodyPr/>
+          <a:lstStyle/>
+          <a:p>
+            <a:r>
+              <a:rPr lang="de-DE"/>
+              <a:t>09.12.2019</a:t>
+            </a:r>
+          </a:p>
+        </p:txBody>
+      </p:sp>
+      <p:sp>
+        <p:nvSpPr>
+          <p:cNvPr id="3" name="Fußzeilenplatzhalter 2"/>
+          <p:cNvSpPr>
+            <a:spLocks noGrp="1"/>
+          </p:cNvSpPr>
+          <p:nvPr>
+            <p:ph type="ftr" sz="quarter" idx="11"/>
+          </p:nvPr>
+        </p:nvSpPr>
+        <p:spPr/>
+        <p:txBody>
+          <a:bodyPr/>
+          <a:lstStyle/>
+          <a:p>
+            <a:r>
+              <a:rPr lang="de-DE"/>
+              <a:t>Künstliche Intelligenz - Überblick</a:t>
+            </a:r>
+          </a:p>
+        </p:txBody>
+      </p:sp>
+      <p:sp>
+        <p:nvSpPr>
+          <p:cNvPr id="6" name="Foliennummernplatzhalter 5"/>
+          <p:cNvSpPr>
+            <a:spLocks noGrp="1"/>
+          </p:cNvSpPr>
+          <p:nvPr>
+            <p:ph type="sldNum" sz="quarter" idx="12"/>
+          </p:nvPr>
+        </p:nvSpPr>
+        <p:spPr/>
+        <p:txBody>
+          <a:bodyPr/>
+          <a:lstStyle/>
+          <a:p>
+            <a:fld id="{3A1F27E2-D58A-4028-9FF2-B12D897F257E}" type="slidenum">
+              <a:rPr lang="de-DE" smtClean="0"/>
+              <a:t>15</a:t>
             </a:fld>
             <a:endParaRPr lang="de-DE"/>
           </a:p>
@@ -11523,10 +12091,7 @@
             <a:lstStyle/>
             <a:p>
               <a:pPr algn="ctr"/>
-              <a:r>
-                <a:rPr lang="de-DE" dirty="0"/>
-                <a:t>/</a:t>
-              </a:r>
+              <a:endParaRPr lang="de-DE" dirty="0"/>
             </a:p>
           </p:txBody>
         </p:sp>
@@ -11611,6 +12176,127 @@
           </p:txBody>
         </p:sp>
       </p:grpSp>
+      <p:cxnSp>
+        <p:nvCxnSpPr>
+          <p:cNvPr id="17" name="Verbinder: gewinkelt 16">
+            <a:extLst>
+              <a:ext uri="{FF2B5EF4-FFF2-40B4-BE49-F238E27FC236}">
+                <a16:creationId xmlns:a16="http://schemas.microsoft.com/office/drawing/2014/main" id="{3202EF2D-0775-4FEF-A7DC-A6691D989EDA}"/>
+              </a:ext>
+            </a:extLst>
+          </p:cNvPr>
+          <p:cNvCxnSpPr>
+            <a:cxnSpLocks/>
+          </p:cNvCxnSpPr>
+          <p:nvPr/>
+        </p:nvCxnSpPr>
+        <p:spPr>
+          <a:xfrm>
+            <a:off x="7588850" y="3602957"/>
+            <a:ext cx="207498" cy="135866"/>
+          </a:xfrm>
+          <a:prstGeom prst="bentConnector3">
+            <a:avLst/>
+          </a:prstGeom>
+          <a:ln w="28575">
+            <a:solidFill>
+              <a:schemeClr val="bg1"/>
+            </a:solidFill>
+          </a:ln>
+        </p:spPr>
+        <p:style>
+          <a:lnRef idx="1">
+            <a:schemeClr val="accent1"/>
+          </a:lnRef>
+          <a:fillRef idx="0">
+            <a:schemeClr val="accent1"/>
+          </a:fillRef>
+          <a:effectRef idx="0">
+            <a:schemeClr val="accent1"/>
+          </a:effectRef>
+          <a:fontRef idx="minor">
+            <a:schemeClr val="tx1"/>
+          </a:fontRef>
+        </p:style>
+      </p:cxnSp>
+      <p:sp>
+        <p:nvSpPr>
+          <p:cNvPr id="23" name="Textfeld 22">
+            <a:extLst>
+              <a:ext uri="{FF2B5EF4-FFF2-40B4-BE49-F238E27FC236}">
+                <a16:creationId xmlns:a16="http://schemas.microsoft.com/office/drawing/2014/main" id="{5533C45E-5125-4C97-91B3-51DD69A60A63}"/>
+              </a:ext>
+            </a:extLst>
+          </p:cNvPr>
+          <p:cNvSpPr txBox="1"/>
+          <p:nvPr/>
+        </p:nvSpPr>
+        <p:spPr>
+          <a:xfrm>
+            <a:off x="6465724" y="4801708"/>
+            <a:ext cx="562975" cy="369332"/>
+          </a:xfrm>
+          <a:prstGeom prst="rect">
+            <a:avLst/>
+          </a:prstGeom>
+          <a:noFill/>
+        </p:spPr>
+        <p:txBody>
+          <a:bodyPr wrap="none" rtlCol="0">
+            <a:spAutoFit/>
+          </a:bodyPr>
+          <a:lstStyle/>
+          <a:p>
+            <a:r>
+              <a:rPr lang="de-DE" dirty="0">
+                <a:solidFill>
+                  <a:schemeClr val="accent1"/>
+                </a:solidFill>
+              </a:rPr>
+              <a:t>Bias</a:t>
+            </a:r>
+          </a:p>
+        </p:txBody>
+      </p:sp>
+      <p:sp>
+        <p:nvSpPr>
+          <p:cNvPr id="41" name="Textfeld 40">
+            <a:extLst>
+              <a:ext uri="{FF2B5EF4-FFF2-40B4-BE49-F238E27FC236}">
+                <a16:creationId xmlns:a16="http://schemas.microsoft.com/office/drawing/2014/main" id="{5F5FA75F-D627-494C-99CE-448E0DF79B56}"/>
+              </a:ext>
+            </a:extLst>
+          </p:cNvPr>
+          <p:cNvSpPr txBox="1"/>
+          <p:nvPr/>
+        </p:nvSpPr>
+        <p:spPr>
+          <a:xfrm>
+            <a:off x="7113375" y="3873402"/>
+            <a:ext cx="1255921" cy="369332"/>
+          </a:xfrm>
+          <a:prstGeom prst="rect">
+            <a:avLst/>
+          </a:prstGeom>
+          <a:noFill/>
+        </p:spPr>
+        <p:txBody>
+          <a:bodyPr wrap="none" rtlCol="0">
+            <a:spAutoFit/>
+          </a:bodyPr>
+          <a:lstStyle/>
+          <a:p>
+            <a:r>
+              <a:rPr lang="de-DE" dirty="0">
+                <a:solidFill>
+                  <a:schemeClr val="accent1"/>
+                </a:solidFill>
+              </a:rPr>
+              <a:t>Aktivierung</a:t>
+            </a:r>
+          </a:p>
+        </p:txBody>
+      </p:sp>
     </p:spTree>
     <p:extLst>
       <p:ext uri="{BB962C8B-B14F-4D97-AF65-F5344CB8AC3E}">
